--- a/문서/Card Of War.pptx
+++ b/문서/Card Of War.pptx
@@ -117,7 +117,7 @@
   </p:defaultTextStyle>
   <p:extLst>
     <p:ext uri="{EFAFB233-063F-42B5-8137-9DF3F51BA10A}">
-      <p15:sldGuideLst xmlns:p15="http://schemas.microsoft.com/office/powerpoint/2012/main">
+      <p15:sldGuideLst xmlns:p15="http://schemas.microsoft.com/office/powerpoint/2012/main" xmlns="">
         <p15:guide id="1" orient="horz" pos="2160">
           <p15:clr>
             <a:srgbClr val="A4A3A4"/>
@@ -1625,21 +1625,21 @@
     </dgm:pt>
   </dgm:ptLst>
   <dgm:cxnLst>
+    <dgm:cxn modelId="{F3044773-2606-469B-BDEC-43FEEFF13C8D}" srcId="{F54B8B6F-45F5-4EF0-802F-87F850504077}" destId="{2E7C5220-FF5D-4CD4-A2BD-83C6BD26142C}" srcOrd="0" destOrd="0" parTransId="{5CACA070-A852-4AF2-BBE1-2058FB55FCE0}" sibTransId="{EE101DC7-65CB-4D15-B9AC-BE4674024B62}"/>
+    <dgm:cxn modelId="{774C941F-8989-42A8-8F74-36715940E45E}" type="presOf" srcId="{7D0FBF88-FDA8-47E0-8577-4E24EC1B4BF2}" destId="{82F6BEFA-DEEE-4187-984A-B7607168FCEA}" srcOrd="0" destOrd="0" presId="urn:microsoft.com/office/officeart/2005/8/layout/vList6"/>
+    <dgm:cxn modelId="{5D036737-5218-4507-92FF-32DC15F0C223}" type="presOf" srcId="{2E7C5220-FF5D-4CD4-A2BD-83C6BD26142C}" destId="{EFCD14B8-0A7C-4C8B-BFD7-750441A545A3}" srcOrd="0" destOrd="0" presId="urn:microsoft.com/office/officeart/2005/8/layout/vList6"/>
+    <dgm:cxn modelId="{AC0DC117-EFB0-4035-AF2C-F8FC8F197E37}" type="presOf" srcId="{C2AB79F2-FAEC-4783-8BA9-096A25F56C61}" destId="{DE353266-70DF-422D-989B-5672B6C7A8CE}" srcOrd="0" destOrd="1" presId="urn:microsoft.com/office/officeart/2005/8/layout/vList6"/>
+    <dgm:cxn modelId="{8AB1AEA6-22C7-4200-B242-14B300E2A1DA}" srcId="{F54B8B6F-45F5-4EF0-802F-87F850504077}" destId="{2CBDDD6B-F79F-4445-9DCE-98F563FC602E}" srcOrd="1" destOrd="0" parTransId="{7EF16CB6-7962-4D62-8EAF-788957909A5A}" sibTransId="{14BBFF7D-A00B-4ED9-89FE-3F02B048C3D3}"/>
     <dgm:cxn modelId="{21FC7892-8B13-43FC-BBE7-42F985D48C38}" srcId="{0BB7B357-CBE3-45D0-8C89-1DC88549ECB9}" destId="{C2AB79F2-FAEC-4783-8BA9-096A25F56C61}" srcOrd="1" destOrd="0" parTransId="{5335D8F2-9841-45BA-8905-DA5CB24A8F43}" sibTransId="{4F742496-640F-40CF-82C2-221D7055C73E}"/>
+    <dgm:cxn modelId="{C02E2EE5-DC84-442C-BB09-A31A45795DFD}" srcId="{F54B8B6F-45F5-4EF0-802F-87F850504077}" destId="{F0E1E2B5-857C-4C4E-8688-F31CC6B2100A}" srcOrd="2" destOrd="0" parTransId="{0FA2ECF5-DDBD-4F76-81FA-6F9C881E1CE8}" sibTransId="{8BC7CF91-D9A4-47E3-9640-D4675778407F}"/>
+    <dgm:cxn modelId="{D1CD35CE-9179-4080-BCE0-106BF773B244}" srcId="{7D0FBF88-FDA8-47E0-8577-4E24EC1B4BF2}" destId="{F54B8B6F-45F5-4EF0-802F-87F850504077}" srcOrd="1" destOrd="0" parTransId="{2956A561-7CA6-43C5-A8F8-0FE0994D2260}" sibTransId="{953988A9-83AD-4163-97B4-2C4EDE34F91F}"/>
+    <dgm:cxn modelId="{DA7AEB49-E1C9-412A-B797-D5A465B474A1}" type="presOf" srcId="{BFB34D0A-340E-4A1E-BF50-ACEDA135C33B}" destId="{DE353266-70DF-422D-989B-5672B6C7A8CE}" srcOrd="0" destOrd="0" presId="urn:microsoft.com/office/officeart/2005/8/layout/vList6"/>
+    <dgm:cxn modelId="{F391C8AC-049D-4457-B4EC-C09560D70753}" srcId="{7D0FBF88-FDA8-47E0-8577-4E24EC1B4BF2}" destId="{0BB7B357-CBE3-45D0-8C89-1DC88549ECB9}" srcOrd="0" destOrd="0" parTransId="{DBFFE866-7B6A-46C9-8E36-7454AD2CF35C}" sibTransId="{7D97AD70-2DE5-4DA5-8927-32FB83BE6F9A}"/>
+    <dgm:cxn modelId="{CC84BEF9-7B0E-4B8F-B8CD-B0DB404FD6FB}" srcId="{0BB7B357-CBE3-45D0-8C89-1DC88549ECB9}" destId="{BFB34D0A-340E-4A1E-BF50-ACEDA135C33B}" srcOrd="0" destOrd="0" parTransId="{CF0B85C8-79CE-4B2D-995A-B792823C912B}" sibTransId="{C9E87ECF-8B9B-47C0-B977-E69361F97D30}"/>
+    <dgm:cxn modelId="{6132DD95-6751-43EC-9A76-A4E2BF904ACF}" type="presOf" srcId="{F0E1E2B5-857C-4C4E-8688-F31CC6B2100A}" destId="{EFCD14B8-0A7C-4C8B-BFD7-750441A545A3}" srcOrd="0" destOrd="2" presId="urn:microsoft.com/office/officeart/2005/8/layout/vList6"/>
     <dgm:cxn modelId="{6AAFA439-2383-4BDA-803A-1D9A6FA40452}" type="presOf" srcId="{2CBDDD6B-F79F-4445-9DCE-98F563FC602E}" destId="{EFCD14B8-0A7C-4C8B-BFD7-750441A545A3}" srcOrd="0" destOrd="1" presId="urn:microsoft.com/office/officeart/2005/8/layout/vList6"/>
+    <dgm:cxn modelId="{844C63EB-421A-42BE-BA1D-C53C0A8972E7}" type="presOf" srcId="{0BB7B357-CBE3-45D0-8C89-1DC88549ECB9}" destId="{EAA0D0F5-BE48-482F-9DBE-0F13C5AC4B3D}" srcOrd="0" destOrd="0" presId="urn:microsoft.com/office/officeart/2005/8/layout/vList6"/>
     <dgm:cxn modelId="{05571254-6CCE-44DA-803B-A2BA506C0FD7}" type="presOf" srcId="{F54B8B6F-45F5-4EF0-802F-87F850504077}" destId="{94708737-8E0B-4F50-B4F4-7284A0288648}" srcOrd="0" destOrd="0" presId="urn:microsoft.com/office/officeart/2005/8/layout/vList6"/>
-    <dgm:cxn modelId="{CC84BEF9-7B0E-4B8F-B8CD-B0DB404FD6FB}" srcId="{0BB7B357-CBE3-45D0-8C89-1DC88549ECB9}" destId="{BFB34D0A-340E-4A1E-BF50-ACEDA135C33B}" srcOrd="0" destOrd="0" parTransId="{CF0B85C8-79CE-4B2D-995A-B792823C912B}" sibTransId="{C9E87ECF-8B9B-47C0-B977-E69361F97D30}"/>
-    <dgm:cxn modelId="{844C63EB-421A-42BE-BA1D-C53C0A8972E7}" type="presOf" srcId="{0BB7B357-CBE3-45D0-8C89-1DC88549ECB9}" destId="{EAA0D0F5-BE48-482F-9DBE-0F13C5AC4B3D}" srcOrd="0" destOrd="0" presId="urn:microsoft.com/office/officeart/2005/8/layout/vList6"/>
-    <dgm:cxn modelId="{5D036737-5218-4507-92FF-32DC15F0C223}" type="presOf" srcId="{2E7C5220-FF5D-4CD4-A2BD-83C6BD26142C}" destId="{EFCD14B8-0A7C-4C8B-BFD7-750441A545A3}" srcOrd="0" destOrd="0" presId="urn:microsoft.com/office/officeart/2005/8/layout/vList6"/>
-    <dgm:cxn modelId="{D1CD35CE-9179-4080-BCE0-106BF773B244}" srcId="{7D0FBF88-FDA8-47E0-8577-4E24EC1B4BF2}" destId="{F54B8B6F-45F5-4EF0-802F-87F850504077}" srcOrd="1" destOrd="0" parTransId="{2956A561-7CA6-43C5-A8F8-0FE0994D2260}" sibTransId="{953988A9-83AD-4163-97B4-2C4EDE34F91F}"/>
-    <dgm:cxn modelId="{F3044773-2606-469B-BDEC-43FEEFF13C8D}" srcId="{F54B8B6F-45F5-4EF0-802F-87F850504077}" destId="{2E7C5220-FF5D-4CD4-A2BD-83C6BD26142C}" srcOrd="0" destOrd="0" parTransId="{5CACA070-A852-4AF2-BBE1-2058FB55FCE0}" sibTransId="{EE101DC7-65CB-4D15-B9AC-BE4674024B62}"/>
-    <dgm:cxn modelId="{DA7AEB49-E1C9-412A-B797-D5A465B474A1}" type="presOf" srcId="{BFB34D0A-340E-4A1E-BF50-ACEDA135C33B}" destId="{DE353266-70DF-422D-989B-5672B6C7A8CE}" srcOrd="0" destOrd="0" presId="urn:microsoft.com/office/officeart/2005/8/layout/vList6"/>
-    <dgm:cxn modelId="{8AB1AEA6-22C7-4200-B242-14B300E2A1DA}" srcId="{F54B8B6F-45F5-4EF0-802F-87F850504077}" destId="{2CBDDD6B-F79F-4445-9DCE-98F563FC602E}" srcOrd="1" destOrd="0" parTransId="{7EF16CB6-7962-4D62-8EAF-788957909A5A}" sibTransId="{14BBFF7D-A00B-4ED9-89FE-3F02B048C3D3}"/>
-    <dgm:cxn modelId="{C02E2EE5-DC84-442C-BB09-A31A45795DFD}" srcId="{F54B8B6F-45F5-4EF0-802F-87F850504077}" destId="{F0E1E2B5-857C-4C4E-8688-F31CC6B2100A}" srcOrd="2" destOrd="0" parTransId="{0FA2ECF5-DDBD-4F76-81FA-6F9C881E1CE8}" sibTransId="{8BC7CF91-D9A4-47E3-9640-D4675778407F}"/>
-    <dgm:cxn modelId="{774C941F-8989-42A8-8F74-36715940E45E}" type="presOf" srcId="{7D0FBF88-FDA8-47E0-8577-4E24EC1B4BF2}" destId="{82F6BEFA-DEEE-4187-984A-B7607168FCEA}" srcOrd="0" destOrd="0" presId="urn:microsoft.com/office/officeart/2005/8/layout/vList6"/>
-    <dgm:cxn modelId="{AC0DC117-EFB0-4035-AF2C-F8FC8F197E37}" type="presOf" srcId="{C2AB79F2-FAEC-4783-8BA9-096A25F56C61}" destId="{DE353266-70DF-422D-989B-5672B6C7A8CE}" srcOrd="0" destOrd="1" presId="urn:microsoft.com/office/officeart/2005/8/layout/vList6"/>
-    <dgm:cxn modelId="{6132DD95-6751-43EC-9A76-A4E2BF904ACF}" type="presOf" srcId="{F0E1E2B5-857C-4C4E-8688-F31CC6B2100A}" destId="{EFCD14B8-0A7C-4C8B-BFD7-750441A545A3}" srcOrd="0" destOrd="2" presId="urn:microsoft.com/office/officeart/2005/8/layout/vList6"/>
-    <dgm:cxn modelId="{F391C8AC-049D-4457-B4EC-C09560D70753}" srcId="{7D0FBF88-FDA8-47E0-8577-4E24EC1B4BF2}" destId="{0BB7B357-CBE3-45D0-8C89-1DC88549ECB9}" srcOrd="0" destOrd="0" parTransId="{DBFFE866-7B6A-46C9-8E36-7454AD2CF35C}" sibTransId="{7D97AD70-2DE5-4DA5-8927-32FB83BE6F9A}"/>
     <dgm:cxn modelId="{D716FBB4-75B2-47CC-9C60-3C32C4462BD7}" type="presParOf" srcId="{82F6BEFA-DEEE-4187-984A-B7607168FCEA}" destId="{A28969BF-C24E-40CC-B2A8-F4E104719C34}" srcOrd="0" destOrd="0" presId="urn:microsoft.com/office/officeart/2005/8/layout/vList6"/>
     <dgm:cxn modelId="{FCF1EA9A-A43B-4D09-91E7-E99F3BCCA8BD}" type="presParOf" srcId="{A28969BF-C24E-40CC-B2A8-F4E104719C34}" destId="{EAA0D0F5-BE48-482F-9DBE-0F13C5AC4B3D}" srcOrd="0" destOrd="0" presId="urn:microsoft.com/office/officeart/2005/8/layout/vList6"/>
     <dgm:cxn modelId="{7DE0B70F-AA32-441B-BCEF-3C52ED28E5A5}" type="presParOf" srcId="{A28969BF-C24E-40CC-B2A8-F4E104719C34}" destId="{DE353266-70DF-422D-989B-5672B6C7A8CE}" srcOrd="1" destOrd="0" presId="urn:microsoft.com/office/officeart/2005/8/layout/vList6"/>
@@ -1652,14 +1652,14 @@
   <dgm:whole/>
   <dgm:extLst>
     <a:ext uri="http://schemas.microsoft.com/office/drawing/2008/diagram">
-      <dsp:dataModelExt xmlns:dsp="http://schemas.microsoft.com/office/drawing/2008/diagram" relId="rId6" minVer="http://schemas.openxmlformats.org/drawingml/2006/diagram"/>
+      <dsp:dataModelExt xmlns:dsp="http://schemas.microsoft.com/office/drawing/2008/diagram" xmlns="" relId="rId6" minVer="http://schemas.openxmlformats.org/drawingml/2006/diagram"/>
     </a:ext>
   </dgm:extLst>
 </dgm:dataModel>
 </file>
 
 <file path=ppt/diagrams/drawing1.xml><?xml version="1.0" encoding="utf-8"?>
-<dsp:drawing xmlns:dgm="http://schemas.openxmlformats.org/drawingml/2006/diagram" xmlns:dsp="http://schemas.microsoft.com/office/drawing/2008/diagram" xmlns:a="http://schemas.openxmlformats.org/drawingml/2006/main">
+<dsp:drawing xmlns:dgm="http://schemas.openxmlformats.org/drawingml/2006/diagram" xmlns:a="http://schemas.openxmlformats.org/drawingml/2006/main" xmlns:dsp="http://schemas.microsoft.com/office/drawing/2008/diagram">
   <dsp:spTree>
     <dsp:nvGrpSpPr>
       <dsp:cNvPr id="0" name=""/>
@@ -1787,8 +1787,8 @@
         </a:p>
       </dsp:txBody>
       <dsp:txXfrm>
-        <a:off x="4670066" y="307405"/>
-        <a:ext cx="6084771" cy="1840656"/>
+        <a:off x="4670066" y="629"/>
+        <a:ext cx="7005099" cy="2454208"/>
       </dsp:txXfrm>
     </dsp:sp>
     <dsp:sp modelId="{EAA0D0F5-BE48-482F-9DBE-0F13C5AC4B3D}">
@@ -1953,8 +1953,8 @@
         </a:p>
       </dsp:txBody>
       <dsp:txXfrm>
-        <a:off x="119805" y="119805"/>
-        <a:ext cx="4430456" cy="2214598"/>
+        <a:off x="0" y="0"/>
+        <a:ext cx="4670066" cy="2454208"/>
       </dsp:txXfrm>
     </dsp:sp>
     <dsp:sp modelId="{EFCD14B8-0A7C-4C8B-BFD7-750441A545A3}">
@@ -2089,8 +2089,8 @@
         </a:p>
       </dsp:txBody>
       <dsp:txXfrm>
-        <a:off x="4670066" y="3007034"/>
-        <a:ext cx="6084771" cy="1840656"/>
+        <a:off x="4670066" y="2700258"/>
+        <a:ext cx="7005099" cy="2454208"/>
       </dsp:txXfrm>
     </dsp:sp>
     <dsp:sp modelId="{94708737-8E0B-4F50-B4F4-7284A0288648}">
@@ -2254,8 +2254,8 @@
         </a:p>
       </dsp:txBody>
       <dsp:txXfrm>
-        <a:off x="119805" y="2820063"/>
-        <a:ext cx="4430456" cy="2214598"/>
+        <a:off x="0" y="2700258"/>
+        <a:ext cx="4670066" cy="2454208"/>
       </dsp:txXfrm>
     </dsp:sp>
   </dsp:spTree>
@@ -3531,7 +3531,7 @@
           <a:blip r:embed="rId2" cstate="print">
             <a:extLst>
               <a:ext uri="{28A0092B-C50C-407E-A947-70E740481C1C}">
-                <a14:useLocalDpi xmlns:a14="http://schemas.microsoft.com/office/drawing/2010/main" val="0"/>
+                <a14:useLocalDpi xmlns:a14="http://schemas.microsoft.com/office/drawing/2010/main" xmlns="" val="0"/>
               </a:ext>
             </a:extLst>
           </a:blip>
@@ -3674,7 +3674,7 @@
             <a:fld id="{CE1A3B7F-3B17-4999-AA43-C14750767352}" type="datetimeFigureOut">
               <a:rPr lang="ko-KR" altLang="en-US" smtClean="0"/>
               <a:pPr/>
-              <a:t>2016-05-12</a:t>
+              <a:t>2016-06-03</a:t>
             </a:fld>
             <a:endParaRPr lang="ko-KR" altLang="en-US"/>
           </a:p>
@@ -3726,7 +3726,7 @@
     </p:spTree>
     <p:extLst>
       <p:ext uri="{BB962C8B-B14F-4D97-AF65-F5344CB8AC3E}">
-        <p14:creationId xmlns:p14="http://schemas.microsoft.com/office/powerpoint/2010/main" val="131268933"/>
+        <p14:creationId xmlns:p14="http://schemas.microsoft.com/office/powerpoint/2010/main" xmlns="" val="131268933"/>
       </p:ext>
     </p:extLst>
   </p:cSld>
@@ -3765,7 +3765,7 @@
           <a:blip r:embed="rId2" cstate="print">
             <a:extLst>
               <a:ext uri="{28A0092B-C50C-407E-A947-70E740481C1C}">
-                <a14:useLocalDpi xmlns:a14="http://schemas.microsoft.com/office/drawing/2010/main" val="0"/>
+                <a14:useLocalDpi xmlns:a14="http://schemas.microsoft.com/office/drawing/2010/main" xmlns="" val="0"/>
               </a:ext>
             </a:extLst>
           </a:blip>
@@ -3988,7 +3988,7 @@
             <a:fld id="{CE1A3B7F-3B17-4999-AA43-C14750767352}" type="datetimeFigureOut">
               <a:rPr lang="ko-KR" altLang="en-US" smtClean="0"/>
               <a:pPr/>
-              <a:t>2016-05-12</a:t>
+              <a:t>2016-06-03</a:t>
             </a:fld>
             <a:endParaRPr lang="ko-KR" altLang="en-US"/>
           </a:p>
@@ -4040,7 +4040,7 @@
     </p:spTree>
     <p:extLst>
       <p:ext uri="{BB962C8B-B14F-4D97-AF65-F5344CB8AC3E}">
-        <p14:creationId xmlns:p14="http://schemas.microsoft.com/office/powerpoint/2010/main" val="1689269514"/>
+        <p14:creationId xmlns:p14="http://schemas.microsoft.com/office/powerpoint/2010/main" xmlns="" val="1689269514"/>
       </p:ext>
     </p:extLst>
   </p:cSld>
@@ -4079,7 +4079,7 @@
           <a:blip r:embed="rId2" cstate="print">
             <a:extLst>
               <a:ext uri="{28A0092B-C50C-407E-A947-70E740481C1C}">
-                <a14:useLocalDpi xmlns:a14="http://schemas.microsoft.com/office/drawing/2010/main" val="0"/>
+                <a14:useLocalDpi xmlns:a14="http://schemas.microsoft.com/office/drawing/2010/main" xmlns="" val="0"/>
               </a:ext>
             </a:extLst>
           </a:blip>
@@ -4212,7 +4212,7 @@
             <a:fld id="{CE1A3B7F-3B17-4999-AA43-C14750767352}" type="datetimeFigureOut">
               <a:rPr lang="ko-KR" altLang="en-US" smtClean="0"/>
               <a:pPr/>
-              <a:t>2016-05-12</a:t>
+              <a:t>2016-06-03</a:t>
             </a:fld>
             <a:endParaRPr lang="ko-KR" altLang="en-US"/>
           </a:p>
@@ -4264,7 +4264,7 @@
     </p:spTree>
     <p:extLst>
       <p:ext uri="{BB962C8B-B14F-4D97-AF65-F5344CB8AC3E}">
-        <p14:creationId xmlns:p14="http://schemas.microsoft.com/office/powerpoint/2010/main" val="4260749172"/>
+        <p14:creationId xmlns:p14="http://schemas.microsoft.com/office/powerpoint/2010/main" xmlns="" val="4260749172"/>
       </p:ext>
     </p:extLst>
   </p:cSld>
@@ -4303,7 +4303,7 @@
           <a:blip r:embed="rId2" cstate="print">
             <a:extLst>
               <a:ext uri="{28A0092B-C50C-407E-A947-70E740481C1C}">
-                <a14:useLocalDpi xmlns:a14="http://schemas.microsoft.com/office/drawing/2010/main" val="0"/>
+                <a14:useLocalDpi xmlns:a14="http://schemas.microsoft.com/office/drawing/2010/main" xmlns="" val="0"/>
               </a:ext>
             </a:extLst>
           </a:blip>
@@ -4505,7 +4505,7 @@
             <a:fld id="{CE1A3B7F-3B17-4999-AA43-C14750767352}" type="datetimeFigureOut">
               <a:rPr lang="ko-KR" altLang="en-US" smtClean="0"/>
               <a:pPr/>
-              <a:t>2016-05-12</a:t>
+              <a:t>2016-06-03</a:t>
             </a:fld>
             <a:endParaRPr lang="ko-KR" altLang="en-US"/>
           </a:p>
@@ -4789,7 +4789,7 @@
     </p:spTree>
     <p:extLst>
       <p:ext uri="{BB962C8B-B14F-4D97-AF65-F5344CB8AC3E}">
-        <p14:creationId xmlns:p14="http://schemas.microsoft.com/office/powerpoint/2010/main" val="1564595497"/>
+        <p14:creationId xmlns:p14="http://schemas.microsoft.com/office/powerpoint/2010/main" xmlns="" val="1564595497"/>
       </p:ext>
     </p:extLst>
   </p:cSld>
@@ -4828,7 +4828,7 @@
           <a:blip r:embed="rId2" cstate="print">
             <a:extLst>
               <a:ext uri="{28A0092B-C50C-407E-A947-70E740481C1C}">
-                <a14:useLocalDpi xmlns:a14="http://schemas.microsoft.com/office/drawing/2010/main" val="0"/>
+                <a14:useLocalDpi xmlns:a14="http://schemas.microsoft.com/office/drawing/2010/main" xmlns="" val="0"/>
               </a:ext>
             </a:extLst>
           </a:blip>
@@ -4961,7 +4961,7 @@
             <a:fld id="{CE1A3B7F-3B17-4999-AA43-C14750767352}" type="datetimeFigureOut">
               <a:rPr lang="ko-KR" altLang="en-US" smtClean="0"/>
               <a:pPr/>
-              <a:t>2016-05-12</a:t>
+              <a:t>2016-06-03</a:t>
             </a:fld>
             <a:endParaRPr lang="ko-KR" altLang="en-US"/>
           </a:p>
@@ -5013,7 +5013,7 @@
     </p:spTree>
     <p:extLst>
       <p:ext uri="{BB962C8B-B14F-4D97-AF65-F5344CB8AC3E}">
-        <p14:creationId xmlns:p14="http://schemas.microsoft.com/office/powerpoint/2010/main" val="3105282767"/>
+        <p14:creationId xmlns:p14="http://schemas.microsoft.com/office/powerpoint/2010/main" xmlns="" val="3105282767"/>
       </p:ext>
     </p:extLst>
   </p:cSld>
@@ -5052,7 +5052,7 @@
           <a:blip r:embed="rId2" cstate="print">
             <a:extLst>
               <a:ext uri="{28A0092B-C50C-407E-A947-70E740481C1C}">
-                <a14:useLocalDpi xmlns:a14="http://schemas.microsoft.com/office/drawing/2010/main" val="0"/>
+                <a14:useLocalDpi xmlns:a14="http://schemas.microsoft.com/office/drawing/2010/main" xmlns="" val="0"/>
               </a:ext>
             </a:extLst>
           </a:blip>
@@ -5539,7 +5539,7 @@
             <a:fld id="{CE1A3B7F-3B17-4999-AA43-C14750767352}" type="datetimeFigureOut">
               <a:rPr lang="ko-KR" altLang="en-US" smtClean="0"/>
               <a:pPr/>
-              <a:t>2016-05-12</a:t>
+              <a:t>2016-06-03</a:t>
             </a:fld>
             <a:endParaRPr lang="ko-KR" altLang="en-US"/>
           </a:p>
@@ -5591,7 +5591,7 @@
     </p:spTree>
     <p:extLst>
       <p:ext uri="{BB962C8B-B14F-4D97-AF65-F5344CB8AC3E}">
-        <p14:creationId xmlns:p14="http://schemas.microsoft.com/office/powerpoint/2010/main" val="2064886028"/>
+        <p14:creationId xmlns:p14="http://schemas.microsoft.com/office/powerpoint/2010/main" xmlns="" val="2064886028"/>
       </p:ext>
     </p:extLst>
   </p:cSld>
@@ -5630,7 +5630,7 @@
           <a:blip r:embed="rId2" cstate="print">
             <a:extLst>
               <a:ext uri="{28A0092B-C50C-407E-A947-70E740481C1C}">
-                <a14:useLocalDpi xmlns:a14="http://schemas.microsoft.com/office/drawing/2010/main" val="0"/>
+                <a14:useLocalDpi xmlns:a14="http://schemas.microsoft.com/office/drawing/2010/main" xmlns="" val="0"/>
               </a:ext>
             </a:extLst>
           </a:blip>
@@ -6393,7 +6393,7 @@
             <a:fld id="{CE1A3B7F-3B17-4999-AA43-C14750767352}" type="datetimeFigureOut">
               <a:rPr lang="ko-KR" altLang="en-US" smtClean="0"/>
               <a:pPr/>
-              <a:t>2016-05-12</a:t>
+              <a:t>2016-06-03</a:t>
             </a:fld>
             <a:endParaRPr lang="ko-KR" altLang="en-US"/>
           </a:p>
@@ -6445,7 +6445,7 @@
     </p:spTree>
     <p:extLst>
       <p:ext uri="{BB962C8B-B14F-4D97-AF65-F5344CB8AC3E}">
-        <p14:creationId xmlns:p14="http://schemas.microsoft.com/office/powerpoint/2010/main" val="1867711614"/>
+        <p14:creationId xmlns:p14="http://schemas.microsoft.com/office/powerpoint/2010/main" xmlns="" val="1867711614"/>
       </p:ext>
     </p:extLst>
   </p:cSld>
@@ -6484,7 +6484,7 @@
           <a:blip r:embed="rId2" cstate="print">
             <a:extLst>
               <a:ext uri="{28A0092B-C50C-407E-A947-70E740481C1C}">
-                <a14:useLocalDpi xmlns:a14="http://schemas.microsoft.com/office/drawing/2010/main" val="0"/>
+                <a14:useLocalDpi xmlns:a14="http://schemas.microsoft.com/office/drawing/2010/main" xmlns="" val="0"/>
               </a:ext>
             </a:extLst>
           </a:blip>
@@ -6600,7 +6600,7 @@
             <a:fld id="{CE1A3B7F-3B17-4999-AA43-C14750767352}" type="datetimeFigureOut">
               <a:rPr lang="ko-KR" altLang="en-US" smtClean="0"/>
               <a:pPr/>
-              <a:t>2016-05-12</a:t>
+              <a:t>2016-06-03</a:t>
             </a:fld>
             <a:endParaRPr lang="ko-KR" altLang="en-US"/>
           </a:p>
@@ -6652,7 +6652,7 @@
     </p:spTree>
     <p:extLst>
       <p:ext uri="{BB962C8B-B14F-4D97-AF65-F5344CB8AC3E}">
-        <p14:creationId xmlns:p14="http://schemas.microsoft.com/office/powerpoint/2010/main" val="4021701500"/>
+        <p14:creationId xmlns:p14="http://schemas.microsoft.com/office/powerpoint/2010/main" xmlns="" val="4021701500"/>
       </p:ext>
     </p:extLst>
   </p:cSld>
@@ -6691,7 +6691,7 @@
           <a:blip r:embed="rId2" cstate="print">
             <a:extLst>
               <a:ext uri="{28A0092B-C50C-407E-A947-70E740481C1C}">
-                <a14:useLocalDpi xmlns:a14="http://schemas.microsoft.com/office/drawing/2010/main" val="0"/>
+                <a14:useLocalDpi xmlns:a14="http://schemas.microsoft.com/office/drawing/2010/main" xmlns="" val="0"/>
               </a:ext>
             </a:extLst>
           </a:blip>
@@ -6816,7 +6816,7 @@
             <a:fld id="{CE1A3B7F-3B17-4999-AA43-C14750767352}" type="datetimeFigureOut">
               <a:rPr lang="ko-KR" altLang="en-US" smtClean="0"/>
               <a:pPr/>
-              <a:t>2016-05-12</a:t>
+              <a:t>2016-06-03</a:t>
             </a:fld>
             <a:endParaRPr lang="ko-KR" altLang="en-US"/>
           </a:p>
@@ -6868,7 +6868,7 @@
     </p:spTree>
     <p:extLst>
       <p:ext uri="{BB962C8B-B14F-4D97-AF65-F5344CB8AC3E}">
-        <p14:creationId xmlns:p14="http://schemas.microsoft.com/office/powerpoint/2010/main" val="3696275069"/>
+        <p14:creationId xmlns:p14="http://schemas.microsoft.com/office/powerpoint/2010/main" xmlns="" val="3696275069"/>
       </p:ext>
     </p:extLst>
   </p:cSld>
@@ -6907,7 +6907,7 @@
           <a:blip r:embed="rId2" cstate="print">
             <a:extLst>
               <a:ext uri="{28A0092B-C50C-407E-A947-70E740481C1C}">
-                <a14:useLocalDpi xmlns:a14="http://schemas.microsoft.com/office/drawing/2010/main" val="0"/>
+                <a14:useLocalDpi xmlns:a14="http://schemas.microsoft.com/office/drawing/2010/main" xmlns="" val="0"/>
               </a:ext>
             </a:extLst>
           </a:blip>
@@ -7023,7 +7023,7 @@
             <a:fld id="{CE1A3B7F-3B17-4999-AA43-C14750767352}" type="datetimeFigureOut">
               <a:rPr lang="ko-KR" altLang="en-US" smtClean="0"/>
               <a:pPr/>
-              <a:t>2016-05-12</a:t>
+              <a:t>2016-06-03</a:t>
             </a:fld>
             <a:endParaRPr lang="ko-KR" altLang="en-US"/>
           </a:p>
@@ -7075,7 +7075,7 @@
     </p:spTree>
     <p:extLst>
       <p:ext uri="{BB962C8B-B14F-4D97-AF65-F5344CB8AC3E}">
-        <p14:creationId xmlns:p14="http://schemas.microsoft.com/office/powerpoint/2010/main" val="13491909"/>
+        <p14:creationId xmlns:p14="http://schemas.microsoft.com/office/powerpoint/2010/main" xmlns="" val="13491909"/>
       </p:ext>
     </p:extLst>
   </p:cSld>
@@ -7114,7 +7114,7 @@
           <a:blip r:embed="rId2" cstate="print">
             <a:extLst>
               <a:ext uri="{28A0092B-C50C-407E-A947-70E740481C1C}">
-                <a14:useLocalDpi xmlns:a14="http://schemas.microsoft.com/office/drawing/2010/main" val="0"/>
+                <a14:useLocalDpi xmlns:a14="http://schemas.microsoft.com/office/drawing/2010/main" xmlns="" val="0"/>
               </a:ext>
             </a:extLst>
           </a:blip>
@@ -7305,7 +7305,7 @@
             <a:fld id="{CE1A3B7F-3B17-4999-AA43-C14750767352}" type="datetimeFigureOut">
               <a:rPr lang="ko-KR" altLang="en-US" smtClean="0"/>
               <a:pPr/>
-              <a:t>2016-05-12</a:t>
+              <a:t>2016-06-03</a:t>
             </a:fld>
             <a:endParaRPr lang="ko-KR" altLang="en-US"/>
           </a:p>
@@ -7357,7 +7357,7 @@
     </p:spTree>
     <p:extLst>
       <p:ext uri="{BB962C8B-B14F-4D97-AF65-F5344CB8AC3E}">
-        <p14:creationId xmlns:p14="http://schemas.microsoft.com/office/powerpoint/2010/main" val="1088587476"/>
+        <p14:creationId xmlns:p14="http://schemas.microsoft.com/office/powerpoint/2010/main" xmlns="" val="1088587476"/>
       </p:ext>
     </p:extLst>
   </p:cSld>
@@ -7396,7 +7396,7 @@
           <a:blip r:embed="rId2" cstate="print">
             <a:extLst>
               <a:ext uri="{28A0092B-C50C-407E-A947-70E740481C1C}">
-                <a14:useLocalDpi xmlns:a14="http://schemas.microsoft.com/office/drawing/2010/main" val="0"/>
+                <a14:useLocalDpi xmlns:a14="http://schemas.microsoft.com/office/drawing/2010/main" xmlns="" val="0"/>
               </a:ext>
             </a:extLst>
           </a:blip>
@@ -7574,7 +7574,7 @@
             <a:fld id="{CE1A3B7F-3B17-4999-AA43-C14750767352}" type="datetimeFigureOut">
               <a:rPr lang="ko-KR" altLang="en-US" smtClean="0"/>
               <a:pPr/>
-              <a:t>2016-05-12</a:t>
+              <a:t>2016-06-03</a:t>
             </a:fld>
             <a:endParaRPr lang="ko-KR" altLang="en-US"/>
           </a:p>
@@ -7626,7 +7626,7 @@
     </p:spTree>
     <p:extLst>
       <p:ext uri="{BB962C8B-B14F-4D97-AF65-F5344CB8AC3E}">
-        <p14:creationId xmlns:p14="http://schemas.microsoft.com/office/powerpoint/2010/main" val="334635519"/>
+        <p14:creationId xmlns:p14="http://schemas.microsoft.com/office/powerpoint/2010/main" xmlns="" val="334635519"/>
       </p:ext>
     </p:extLst>
   </p:cSld>
@@ -7665,7 +7665,7 @@
           <a:blip r:embed="rId2" cstate="print">
             <a:extLst>
               <a:ext uri="{28A0092B-C50C-407E-A947-70E740481C1C}">
-                <a14:useLocalDpi xmlns:a14="http://schemas.microsoft.com/office/drawing/2010/main" val="0"/>
+                <a14:useLocalDpi xmlns:a14="http://schemas.microsoft.com/office/drawing/2010/main" xmlns="" val="0"/>
               </a:ext>
             </a:extLst>
           </a:blip>
@@ -7991,7 +7991,7 @@
             <a:fld id="{CE1A3B7F-3B17-4999-AA43-C14750767352}" type="datetimeFigureOut">
               <a:rPr lang="ko-KR" altLang="en-US" smtClean="0"/>
               <a:pPr/>
-              <a:t>2016-05-12</a:t>
+              <a:t>2016-06-03</a:t>
             </a:fld>
             <a:endParaRPr lang="ko-KR" altLang="en-US"/>
           </a:p>
@@ -8043,7 +8043,7 @@
     </p:spTree>
     <p:extLst>
       <p:ext uri="{BB962C8B-B14F-4D97-AF65-F5344CB8AC3E}">
-        <p14:creationId xmlns:p14="http://schemas.microsoft.com/office/powerpoint/2010/main" val="455098500"/>
+        <p14:creationId xmlns:p14="http://schemas.microsoft.com/office/powerpoint/2010/main" xmlns="" val="455098500"/>
       </p:ext>
     </p:extLst>
   </p:cSld>
@@ -8082,7 +8082,7 @@
           <a:blip r:embed="rId2" cstate="print">
             <a:extLst>
               <a:ext uri="{28A0092B-C50C-407E-A947-70E740481C1C}">
-                <a14:useLocalDpi xmlns:a14="http://schemas.microsoft.com/office/drawing/2010/main" val="0"/>
+                <a14:useLocalDpi xmlns:a14="http://schemas.microsoft.com/office/drawing/2010/main" xmlns="" val="0"/>
               </a:ext>
             </a:extLst>
           </a:blip>
@@ -8141,7 +8141,7 @@
             <a:fld id="{CE1A3B7F-3B17-4999-AA43-C14750767352}" type="datetimeFigureOut">
               <a:rPr lang="ko-KR" altLang="en-US" smtClean="0"/>
               <a:pPr/>
-              <a:t>2016-05-12</a:t>
+              <a:t>2016-06-03</a:t>
             </a:fld>
             <a:endParaRPr lang="ko-KR" altLang="en-US"/>
           </a:p>
@@ -8193,7 +8193,7 @@
     </p:spTree>
     <p:extLst>
       <p:ext uri="{BB962C8B-B14F-4D97-AF65-F5344CB8AC3E}">
-        <p14:creationId xmlns:p14="http://schemas.microsoft.com/office/powerpoint/2010/main" val="3979778401"/>
+        <p14:creationId xmlns:p14="http://schemas.microsoft.com/office/powerpoint/2010/main" xmlns="" val="3979778401"/>
       </p:ext>
     </p:extLst>
   </p:cSld>
@@ -8232,7 +8232,7 @@
           <a:blip r:embed="rId2" cstate="print">
             <a:extLst>
               <a:ext uri="{28A0092B-C50C-407E-A947-70E740481C1C}">
-                <a14:useLocalDpi xmlns:a14="http://schemas.microsoft.com/office/drawing/2010/main" val="0"/>
+                <a14:useLocalDpi xmlns:a14="http://schemas.microsoft.com/office/drawing/2010/main" xmlns="" val="0"/>
               </a:ext>
             </a:extLst>
           </a:blip>
@@ -8268,7 +8268,7 @@
             <a:fld id="{CE1A3B7F-3B17-4999-AA43-C14750767352}" type="datetimeFigureOut">
               <a:rPr lang="ko-KR" altLang="en-US" smtClean="0"/>
               <a:pPr/>
-              <a:t>2016-05-12</a:t>
+              <a:t>2016-06-03</a:t>
             </a:fld>
             <a:endParaRPr lang="ko-KR" altLang="en-US"/>
           </a:p>
@@ -8320,7 +8320,7 @@
     </p:spTree>
     <p:extLst>
       <p:ext uri="{BB962C8B-B14F-4D97-AF65-F5344CB8AC3E}">
-        <p14:creationId xmlns:p14="http://schemas.microsoft.com/office/powerpoint/2010/main" val="2438948821"/>
+        <p14:creationId xmlns:p14="http://schemas.microsoft.com/office/powerpoint/2010/main" xmlns="" val="2438948821"/>
       </p:ext>
     </p:extLst>
   </p:cSld>
@@ -8359,7 +8359,7 @@
           <a:blip r:embed="rId2" cstate="print">
             <a:extLst>
               <a:ext uri="{28A0092B-C50C-407E-A947-70E740481C1C}">
-                <a14:useLocalDpi xmlns:a14="http://schemas.microsoft.com/office/drawing/2010/main" val="0"/>
+                <a14:useLocalDpi xmlns:a14="http://schemas.microsoft.com/office/drawing/2010/main" xmlns="" val="0"/>
               </a:ext>
             </a:extLst>
           </a:blip>
@@ -8549,7 +8549,7 @@
             <a:fld id="{CE1A3B7F-3B17-4999-AA43-C14750767352}" type="datetimeFigureOut">
               <a:rPr lang="ko-KR" altLang="en-US" smtClean="0"/>
               <a:pPr/>
-              <a:t>2016-05-12</a:t>
+              <a:t>2016-06-03</a:t>
             </a:fld>
             <a:endParaRPr lang="ko-KR" altLang="en-US"/>
           </a:p>
@@ -8601,7 +8601,7 @@
     </p:spTree>
     <p:extLst>
       <p:ext uri="{BB962C8B-B14F-4D97-AF65-F5344CB8AC3E}">
-        <p14:creationId xmlns:p14="http://schemas.microsoft.com/office/powerpoint/2010/main" val="3884477321"/>
+        <p14:creationId xmlns:p14="http://schemas.microsoft.com/office/powerpoint/2010/main" xmlns="" val="3884477321"/>
       </p:ext>
     </p:extLst>
   </p:cSld>
@@ -8640,7 +8640,7 @@
           <a:blip r:embed="rId2" cstate="print">
             <a:extLst>
               <a:ext uri="{28A0092B-C50C-407E-A947-70E740481C1C}">
-                <a14:useLocalDpi xmlns:a14="http://schemas.microsoft.com/office/drawing/2010/main" val="0"/>
+                <a14:useLocalDpi xmlns:a14="http://schemas.microsoft.com/office/drawing/2010/main" xmlns="" val="0"/>
               </a:ext>
             </a:extLst>
           </a:blip>
@@ -8863,7 +8863,7 @@
             <a:fld id="{CE1A3B7F-3B17-4999-AA43-C14750767352}" type="datetimeFigureOut">
               <a:rPr lang="ko-KR" altLang="en-US" smtClean="0"/>
               <a:pPr/>
-              <a:t>2016-05-12</a:t>
+              <a:t>2016-06-03</a:t>
             </a:fld>
             <a:endParaRPr lang="ko-KR" altLang="en-US"/>
           </a:p>
@@ -8915,7 +8915,7 @@
     </p:spTree>
     <p:extLst>
       <p:ext uri="{BB962C8B-B14F-4D97-AF65-F5344CB8AC3E}">
-        <p14:creationId xmlns:p14="http://schemas.microsoft.com/office/powerpoint/2010/main" val="2777435633"/>
+        <p14:creationId xmlns:p14="http://schemas.microsoft.com/office/powerpoint/2010/main" xmlns="" val="2777435633"/>
       </p:ext>
     </p:extLst>
   </p:cSld>
@@ -8960,7 +8960,7 @@
             <a:alphaModFix/>
             <a:extLst>
               <a:ext uri="{28A0092B-C50C-407E-A947-70E740481C1C}">
-                <a14:useLocalDpi xmlns:a14="http://schemas.microsoft.com/office/drawing/2010/main" val="0"/>
+                <a14:useLocalDpi xmlns:a14="http://schemas.microsoft.com/office/drawing/2010/main" xmlns="" val="0"/>
               </a:ext>
             </a:extLst>
           </a:blip>
@@ -8980,7 +8980,7 @@
           <a:noFill/>
           <a:extLst>
             <a:ext uri="{909E8E84-426E-40DD-AFC4-6F175D3DCCD1}">
-              <a14:hiddenFill xmlns:a14="http://schemas.microsoft.com/office/drawing/2010/main">
+              <a14:hiddenFill xmlns:a14="http://schemas.microsoft.com/office/drawing/2010/main" xmlns="">
                 <a:solidFill>
                   <a:srgbClr val="FFFFFF"/>
                 </a:solidFill>
@@ -9118,7 +9118,7 @@
             <a:fld id="{CE1A3B7F-3B17-4999-AA43-C14750767352}" type="datetimeFigureOut">
               <a:rPr lang="ko-KR" altLang="en-US" smtClean="0"/>
               <a:pPr/>
-              <a:t>2016-05-12</a:t>
+              <a:t>2016-06-03</a:t>
             </a:fld>
             <a:endParaRPr lang="ko-KR" altLang="en-US"/>
           </a:p>
@@ -9202,7 +9202,7 @@
     </p:spTree>
     <p:extLst>
       <p:ext uri="{BB962C8B-B14F-4D97-AF65-F5344CB8AC3E}">
-        <p14:creationId xmlns:p14="http://schemas.microsoft.com/office/powerpoint/2010/main" val="3950900297"/>
+        <p14:creationId xmlns:p14="http://schemas.microsoft.com/office/powerpoint/2010/main" xmlns="" val="3950900297"/>
       </p:ext>
     </p:extLst>
   </p:cSld>
@@ -9700,7 +9700,7 @@
     </p:spTree>
     <p:extLst>
       <p:ext uri="{BB962C8B-B14F-4D97-AF65-F5344CB8AC3E}">
-        <p14:creationId xmlns:p14="http://schemas.microsoft.com/office/powerpoint/2010/main" val="682084320"/>
+        <p14:creationId xmlns:p14="http://schemas.microsoft.com/office/powerpoint/2010/main" xmlns="" val="682084320"/>
       </p:ext>
     </p:extLst>
   </p:cSld>
@@ -9784,7 +9784,7 @@
             <p:ph sz="quarter" idx="13"/>
             <p:extLst>
               <p:ext uri="{D42A27DB-BD31-4B8C-83A1-F6EECF244321}">
-                <p14:modId xmlns:p14="http://schemas.microsoft.com/office/powerpoint/2010/main" val="2410812739"/>
+                <p14:modId xmlns:p14="http://schemas.microsoft.com/office/powerpoint/2010/main" xmlns="" val="2410812739"/>
               </p:ext>
             </p:extLst>
           </p:nvPr>
@@ -9802,7 +9802,7 @@
     </p:spTree>
     <p:extLst>
       <p:ext uri="{BB962C8B-B14F-4D97-AF65-F5344CB8AC3E}">
-        <p14:creationId xmlns:p14="http://schemas.microsoft.com/office/powerpoint/2010/main" val="1100952473"/>
+        <p14:creationId xmlns:p14="http://schemas.microsoft.com/office/powerpoint/2010/main" xmlns="" val="1100952473"/>
       </p:ext>
     </p:extLst>
   </p:cSld>
@@ -9902,7 +9902,7 @@
           <p:nvPr/>
         </p:nvPicPr>
         <p:blipFill>
-          <a:blip r:embed="rId2"/>
+          <a:blip r:embed="rId2" cstate="print"/>
           <a:stretch>
             <a:fillRect/>
           </a:stretch>
@@ -9923,7 +9923,7 @@
     </p:spTree>
     <p:extLst>
       <p:ext uri="{BB962C8B-B14F-4D97-AF65-F5344CB8AC3E}">
-        <p14:creationId xmlns:p14="http://schemas.microsoft.com/office/powerpoint/2010/main" val="3442233939"/>
+        <p14:creationId xmlns:p14="http://schemas.microsoft.com/office/powerpoint/2010/main" xmlns="" val="3442233939"/>
       </p:ext>
     </p:extLst>
   </p:cSld>
@@ -10001,7 +10001,7 @@
     </p:spTree>
     <p:extLst>
       <p:ext uri="{BB962C8B-B14F-4D97-AF65-F5344CB8AC3E}">
-        <p14:creationId xmlns:p14="http://schemas.microsoft.com/office/powerpoint/2010/main" val="3395469924"/>
+        <p14:creationId xmlns:p14="http://schemas.microsoft.com/office/powerpoint/2010/main" xmlns="" val="3395469924"/>
       </p:ext>
     </p:extLst>
   </p:cSld>
@@ -10067,11 +10067,7 @@
           <a:p>
             <a:r>
               <a:rPr lang="ko-KR" altLang="en-US" sz="3200" dirty="0" smtClean="0"/>
-              <a:t>아이템 </a:t>
-            </a:r>
-            <a:r>
-              <a:rPr lang="ko-KR" altLang="en-US" sz="3200" dirty="0" smtClean="0"/>
-              <a:t>선정 과정</a:t>
+              <a:t>아이템 선정 과정</a:t>
             </a:r>
             <a:endParaRPr lang="ko-KR" altLang="en-US" sz="3200" dirty="0"/>
           </a:p>
@@ -10147,15 +10143,7 @@
           <a:p>
             <a:r>
               <a:rPr lang="ko-KR" altLang="en-US" sz="3200" dirty="0" smtClean="0"/>
-              <a:t>게임</a:t>
-            </a:r>
-            <a:r>
-              <a:rPr lang="ko-KR" altLang="en-US" sz="3200" dirty="0" smtClean="0"/>
-              <a:t> </a:t>
-            </a:r>
-            <a:r>
-              <a:rPr lang="ko-KR" altLang="en-US" sz="3200" dirty="0" smtClean="0"/>
-              <a:t>구현 계획</a:t>
+              <a:t>게임 구현 계획</a:t>
             </a:r>
             <a:endParaRPr lang="ko-KR" altLang="en-US" sz="3200" dirty="0"/>
           </a:p>
@@ -10185,15 +10173,7 @@
           <a:p>
             <a:r>
               <a:rPr lang="ko-KR" altLang="en-US" sz="3600" dirty="0" smtClean="0"/>
-              <a:t>게임</a:t>
-            </a:r>
-            <a:r>
-              <a:rPr lang="ko-KR" altLang="en-US" sz="3600" dirty="0" smtClean="0"/>
-              <a:t> </a:t>
-            </a:r>
-            <a:r>
-              <a:rPr lang="ko-KR" altLang="en-US" sz="3600" dirty="0" smtClean="0"/>
-              <a:t>구조</a:t>
+              <a:t>게임 구조</a:t>
             </a:r>
             <a:endParaRPr lang="ko-KR" altLang="en-US" sz="3600" dirty="0"/>
           </a:p>
@@ -10430,7 +10410,7 @@
     </p:spTree>
     <p:extLst>
       <p:ext uri="{BB962C8B-B14F-4D97-AF65-F5344CB8AC3E}">
-        <p14:creationId xmlns:p14="http://schemas.microsoft.com/office/powerpoint/2010/main" val="210691071"/>
+        <p14:creationId xmlns:p14="http://schemas.microsoft.com/office/powerpoint/2010/main" xmlns="" val="210691071"/>
       </p:ext>
     </p:extLst>
   </p:cSld>
@@ -10496,11 +10476,7 @@
           <a:p>
             <a:r>
               <a:rPr lang="ko-KR" altLang="en-US" sz="6000" dirty="0" smtClean="0"/>
-              <a:t>아이템 </a:t>
-            </a:r>
-            <a:r>
-              <a:rPr lang="ko-KR" altLang="en-US" sz="6000" dirty="0" smtClean="0"/>
-              <a:t>선정 과정</a:t>
+              <a:t>아이템 선정 과정</a:t>
             </a:r>
             <a:endParaRPr lang="ko-KR" altLang="en-US" sz="6000" dirty="0"/>
           </a:p>
@@ -10851,7 +10827,7 @@
     </p:spTree>
     <p:extLst>
       <p:ext uri="{BB962C8B-B14F-4D97-AF65-F5344CB8AC3E}">
-        <p14:creationId xmlns:p14="http://schemas.microsoft.com/office/powerpoint/2010/main" val="1950366836"/>
+        <p14:creationId xmlns:p14="http://schemas.microsoft.com/office/powerpoint/2010/main" xmlns="" val="1950366836"/>
       </p:ext>
     </p:extLst>
   </p:cSld>
@@ -10936,19 +10912,7 @@
           <a:p>
             <a:r>
               <a:rPr lang="ko-KR" altLang="en-US" dirty="0" smtClean="0"/>
-              <a:t>게임</a:t>
-            </a:r>
-            <a:r>
-              <a:rPr lang="ko-KR" altLang="en-US" dirty="0" smtClean="0"/>
-              <a:t> </a:t>
-            </a:r>
-            <a:r>
-              <a:rPr lang="ko-KR" altLang="en-US" dirty="0" smtClean="0"/>
-              <a:t>구현 </a:t>
-            </a:r>
-            <a:r>
-              <a:rPr lang="ko-KR" altLang="en-US" dirty="0" smtClean="0"/>
-              <a:t>계획</a:t>
+              <a:t>게임 구현 계획</a:t>
             </a:r>
             <a:r>
               <a:rPr lang="en-US" altLang="ko-KR" dirty="0" smtClean="0"/>
@@ -11382,7 +11346,7 @@
     </p:spTree>
     <p:extLst>
       <p:ext uri="{BB962C8B-B14F-4D97-AF65-F5344CB8AC3E}">
-        <p14:creationId xmlns:p14="http://schemas.microsoft.com/office/powerpoint/2010/main" val="1175440608"/>
+        <p14:creationId xmlns:p14="http://schemas.microsoft.com/office/powerpoint/2010/main" xmlns="" val="1175440608"/>
       </p:ext>
     </p:extLst>
   </p:cSld>
@@ -11498,19 +11462,7 @@
           <a:p>
             <a:r>
               <a:rPr lang="ko-KR" altLang="en-US" sz="4400" dirty="0" smtClean="0"/>
-              <a:t>게임</a:t>
-            </a:r>
-            <a:r>
-              <a:rPr lang="ko-KR" altLang="en-US" sz="4400" dirty="0" smtClean="0"/>
-              <a:t> </a:t>
-            </a:r>
-            <a:r>
-              <a:rPr lang="ko-KR" altLang="en-US" sz="4400" dirty="0" smtClean="0"/>
-              <a:t>구현 </a:t>
-            </a:r>
-            <a:r>
-              <a:rPr lang="ko-KR" altLang="en-US" sz="4400" dirty="0" smtClean="0"/>
-              <a:t>계획 </a:t>
+              <a:t>게임 구현 계획 </a:t>
             </a:r>
             <a:r>
               <a:rPr lang="en-US" altLang="ko-KR" sz="4400" dirty="0" smtClean="0"/>
@@ -13052,7 +13004,7 @@
     </p:spTree>
     <p:extLst>
       <p:ext uri="{BB962C8B-B14F-4D97-AF65-F5344CB8AC3E}">
-        <p14:creationId xmlns:p14="http://schemas.microsoft.com/office/powerpoint/2010/main" val="2044165001"/>
+        <p14:creationId xmlns:p14="http://schemas.microsoft.com/office/powerpoint/2010/main" xmlns="" val="2044165001"/>
       </p:ext>
     </p:extLst>
   </p:cSld>
@@ -13118,19 +13070,7 @@
           <a:p>
             <a:r>
               <a:rPr lang="ko-KR" altLang="en-US" sz="4400" dirty="0" smtClean="0"/>
-              <a:t>게임</a:t>
-            </a:r>
-            <a:r>
-              <a:rPr lang="ko-KR" altLang="en-US" sz="4400" dirty="0" smtClean="0"/>
-              <a:t> </a:t>
-            </a:r>
-            <a:r>
-              <a:rPr lang="ko-KR" altLang="en-US" sz="4400" dirty="0" smtClean="0"/>
-              <a:t>구현 </a:t>
-            </a:r>
-            <a:r>
-              <a:rPr lang="ko-KR" altLang="en-US" sz="4400" dirty="0" smtClean="0"/>
-              <a:t>계획 </a:t>
+              <a:t>게임 구현 계획 </a:t>
             </a:r>
             <a:r>
               <a:rPr lang="en-US" altLang="ko-KR" sz="4400" dirty="0" smtClean="0"/>
@@ -13613,7 +13553,7 @@
     </p:spTree>
     <p:extLst>
       <p:ext uri="{BB962C8B-B14F-4D97-AF65-F5344CB8AC3E}">
-        <p14:creationId xmlns:p14="http://schemas.microsoft.com/office/powerpoint/2010/main" val="2571892018"/>
+        <p14:creationId xmlns:p14="http://schemas.microsoft.com/office/powerpoint/2010/main" xmlns="" val="2571892018"/>
       </p:ext>
     </p:extLst>
   </p:cSld>
@@ -13712,19 +13652,7 @@
           <a:p>
             <a:r>
               <a:rPr lang="ko-KR" altLang="en-US" sz="4400" dirty="0" smtClean="0"/>
-              <a:t>게임</a:t>
-            </a:r>
-            <a:r>
-              <a:rPr lang="ko-KR" altLang="en-US" sz="4400" dirty="0" smtClean="0"/>
-              <a:t> </a:t>
-            </a:r>
-            <a:r>
-              <a:rPr lang="ko-KR" altLang="en-US" sz="4400" dirty="0" smtClean="0"/>
-              <a:t>구현 </a:t>
-            </a:r>
-            <a:r>
-              <a:rPr lang="ko-KR" altLang="en-US" sz="4400" dirty="0" smtClean="0"/>
-              <a:t>계획 </a:t>
+              <a:t>게임 구현 계획 </a:t>
             </a:r>
             <a:r>
               <a:rPr lang="en-US" altLang="ko-KR" sz="4400" dirty="0" smtClean="0"/>
@@ -13737,7 +13665,7 @@
     </p:spTree>
     <p:extLst>
       <p:ext uri="{BB962C8B-B14F-4D97-AF65-F5344CB8AC3E}">
-        <p14:creationId xmlns:p14="http://schemas.microsoft.com/office/powerpoint/2010/main" val="396949018"/>
+        <p14:creationId xmlns:p14="http://schemas.microsoft.com/office/powerpoint/2010/main" xmlns="" val="396949018"/>
       </p:ext>
     </p:extLst>
   </p:cSld>
@@ -13779,6 +13707,32 @@
           <a:chExt cx="0" cy="0"/>
         </a:xfrm>
       </p:grpSpPr>
+      <p:pic>
+        <p:nvPicPr>
+          <p:cNvPr id="5121" name="_x542755096" descr="cif00001"/>
+          <p:cNvPicPr>
+            <a:picLocks noChangeAspect="1" noChangeArrowheads="1"/>
+          </p:cNvPicPr>
+          <p:nvPr/>
+        </p:nvPicPr>
+        <p:blipFill>
+          <a:blip r:embed="rId2" cstate="print"/>
+          <a:srcRect/>
+          <a:stretch>
+            <a:fillRect/>
+          </a:stretch>
+        </p:blipFill>
+        <p:spPr bwMode="auto">
+          <a:xfrm>
+            <a:off x="0" y="-320"/>
+            <a:ext cx="12192000" cy="6858320"/>
+          </a:xfrm>
+          <a:prstGeom prst="rect">
+            <a:avLst/>
+          </a:prstGeom>
+          <a:noFill/>
+        </p:spPr>
+      </p:pic>
       <p:sp>
         <p:nvSpPr>
           <p:cNvPr id="2" name="제목 1"/>
@@ -13802,18 +13756,14 @@
           <a:lstStyle/>
           <a:p>
             <a:r>
-              <a:rPr lang="ko-KR" altLang="en-US" sz="4400" dirty="0" smtClean="0"/>
-              <a:t>게임 구조 </a:t>
-            </a:r>
-            <a:r>
-              <a:rPr lang="en-US" altLang="ko-KR" sz="4400" dirty="0" smtClean="0"/>
-              <a:t>- </a:t>
-            </a:r>
-            <a:r>
-              <a:rPr lang="ko-KR" altLang="en-US" sz="4400" dirty="0" smtClean="0"/>
-              <a:t>게임 룰</a:t>
-            </a:r>
-            <a:endParaRPr lang="ko-KR" altLang="en-US" sz="4400" dirty="0"/>
+              <a:rPr lang="ko-KR" altLang="en-US" sz="4400" b="1" dirty="0" smtClean="0"/>
+              <a:t>게임 방</a:t>
+            </a:r>
+            <a:r>
+              <a:rPr lang="ko-KR" altLang="en-US" sz="4400" b="1" dirty="0" smtClean="0"/>
+              <a:t>법</a:t>
+            </a:r>
+            <a:endParaRPr lang="ko-KR" altLang="en-US" sz="4400" b="1" dirty="0"/>
           </a:p>
         </p:txBody>
       </p:sp>
@@ -13840,125 +13790,125 @@
           <a:lstStyle/>
           <a:p>
             <a:r>
-              <a:rPr lang="en-US" altLang="ko-KR" sz="6400" dirty="0" smtClean="0"/>
+              <a:rPr lang="en-US" altLang="ko-KR" sz="6400" b="1" dirty="0" smtClean="0"/>
               <a:t>2</a:t>
             </a:r>
             <a:r>
-              <a:rPr lang="ko-KR" altLang="en-US" sz="6400" dirty="0"/>
+              <a:rPr lang="ko-KR" altLang="en-US" sz="6400" b="1" dirty="0"/>
               <a:t>명의 플레이어가 게임을 한다</a:t>
             </a:r>
             <a:r>
-              <a:rPr lang="en-US" altLang="ko-KR" sz="6400" dirty="0"/>
+              <a:rPr lang="en-US" altLang="ko-KR" sz="6400" b="1" dirty="0"/>
               <a:t>. </a:t>
             </a:r>
           </a:p>
           <a:p>
             <a:r>
-              <a:rPr lang="ko-KR" altLang="en-US" sz="6400" dirty="0" smtClean="0"/>
+              <a:rPr lang="ko-KR" altLang="en-US" sz="6400" b="1" dirty="0" smtClean="0"/>
               <a:t>각 </a:t>
             </a:r>
             <a:r>
-              <a:rPr lang="ko-KR" altLang="en-US" sz="6400" dirty="0"/>
+              <a:rPr lang="ko-KR" altLang="en-US" sz="6400" b="1" dirty="0"/>
               <a:t>플레이어가 </a:t>
             </a:r>
             <a:r>
-              <a:rPr lang="ko-KR" altLang="en-US" sz="6400" dirty="0" smtClean="0"/>
+              <a:rPr lang="ko-KR" altLang="en-US" sz="6400" b="1" dirty="0" smtClean="0"/>
               <a:t>첫 라운드에서 </a:t>
             </a:r>
             <a:r>
-              <a:rPr lang="en-US" altLang="ko-KR" sz="6400" dirty="0"/>
+              <a:rPr lang="en-US" altLang="ko-KR" sz="6400" b="1" dirty="0"/>
               <a:t>3</a:t>
             </a:r>
             <a:r>
-              <a:rPr lang="ko-KR" altLang="en-US" sz="6400" dirty="0"/>
+              <a:rPr lang="ko-KR" altLang="en-US" sz="6400" b="1" dirty="0"/>
               <a:t>가지의 모션 카드를 선택한다</a:t>
             </a:r>
             <a:r>
-              <a:rPr lang="en-US" altLang="ko-KR" sz="6400" dirty="0"/>
+              <a:rPr lang="en-US" altLang="ko-KR" sz="6400" b="1" dirty="0"/>
               <a:t>. (</a:t>
             </a:r>
             <a:r>
-              <a:rPr lang="ko-KR" altLang="en-US" sz="6400" dirty="0"/>
+              <a:rPr lang="ko-KR" altLang="en-US" sz="6400" b="1" dirty="0"/>
               <a:t>상대방 플레이어가 어떤 것을 선택했는지 알 수 없다</a:t>
             </a:r>
             <a:r>
-              <a:rPr lang="en-US" altLang="ko-KR" sz="6400" dirty="0"/>
+              <a:rPr lang="en-US" altLang="ko-KR" sz="6400" b="1" dirty="0"/>
               <a:t>.) </a:t>
             </a:r>
           </a:p>
           <a:p>
             <a:r>
-              <a:rPr lang="ko-KR" altLang="en-US" sz="6400" dirty="0" smtClean="0"/>
+              <a:rPr lang="ko-KR" altLang="en-US" sz="6400" b="1" dirty="0" smtClean="0"/>
               <a:t>각 </a:t>
             </a:r>
             <a:r>
-              <a:rPr lang="ko-KR" altLang="en-US" sz="6400" dirty="0"/>
+              <a:rPr lang="ko-KR" altLang="en-US" sz="6400" b="1" dirty="0"/>
               <a:t>플레이어는 마나를 가지고 있으며 모션 카드에는 이동</a:t>
             </a:r>
             <a:r>
-              <a:rPr lang="en-US" altLang="ko-KR" sz="6400" dirty="0"/>
+              <a:rPr lang="en-US" altLang="ko-KR" sz="6400" b="1" dirty="0"/>
               <a:t>, </a:t>
             </a:r>
             <a:r>
-              <a:rPr lang="ko-KR" altLang="en-US" sz="6400" dirty="0"/>
+              <a:rPr lang="ko-KR" altLang="en-US" sz="6400" b="1" dirty="0"/>
               <a:t>기술</a:t>
             </a:r>
             <a:r>
-              <a:rPr lang="en-US" altLang="ko-KR" sz="6400" dirty="0"/>
+              <a:rPr lang="en-US" altLang="ko-KR" sz="6400" b="1" dirty="0"/>
               <a:t>, </a:t>
             </a:r>
             <a:r>
-              <a:rPr lang="ko-KR" altLang="en-US" sz="6400" dirty="0"/>
+              <a:rPr lang="ko-KR" altLang="en-US" sz="6400" b="1" dirty="0"/>
               <a:t>방어 세가지 종류가 있는데 모션마다 </a:t>
             </a:r>
             <a:r>
-              <a:rPr lang="ko-KR" altLang="en-US" sz="6400" dirty="0" err="1" smtClean="0"/>
+              <a:rPr lang="ko-KR" altLang="en-US" sz="6400" b="1" dirty="0" err="1" smtClean="0"/>
               <a:t>마나의</a:t>
             </a:r>
             <a:r>
-              <a:rPr lang="ko-KR" altLang="en-US" sz="6400" dirty="0" smtClean="0"/>
+              <a:rPr lang="ko-KR" altLang="en-US" sz="6400" b="1" dirty="0" smtClean="0"/>
               <a:t> 소비 정도와 </a:t>
             </a:r>
             <a:r>
-              <a:rPr lang="ko-KR" altLang="en-US" sz="6400" dirty="0" err="1" smtClean="0"/>
+              <a:rPr lang="ko-KR" altLang="en-US" sz="6400" b="1" dirty="0" err="1" smtClean="0"/>
               <a:t>데미지</a:t>
             </a:r>
             <a:r>
-              <a:rPr lang="en-US" altLang="ko-KR" sz="6400" dirty="0" smtClean="0"/>
+              <a:rPr lang="en-US" altLang="ko-KR" sz="6400" b="1" dirty="0" smtClean="0"/>
               <a:t>(</a:t>
             </a:r>
             <a:r>
-              <a:rPr lang="ko-KR" altLang="en-US" sz="6400" dirty="0" smtClean="0"/>
+              <a:rPr lang="ko-KR" altLang="en-US" sz="6400" b="1" dirty="0" smtClean="0"/>
               <a:t>공격</a:t>
             </a:r>
             <a:r>
-              <a:rPr lang="en-US" altLang="ko-KR" sz="6400" dirty="0" smtClean="0"/>
+              <a:rPr lang="en-US" altLang="ko-KR" sz="6400" b="1" dirty="0" smtClean="0"/>
               <a:t>)</a:t>
             </a:r>
             <a:r>
-              <a:rPr lang="ko-KR" altLang="en-US" sz="6400" dirty="0" smtClean="0"/>
+              <a:rPr lang="ko-KR" altLang="en-US" sz="6400" b="1" dirty="0" smtClean="0"/>
               <a:t>가 </a:t>
             </a:r>
             <a:r>
-              <a:rPr lang="ko-KR" altLang="en-US" sz="6400" dirty="0"/>
+              <a:rPr lang="ko-KR" altLang="en-US" sz="6400" b="1" dirty="0"/>
               <a:t>다르다</a:t>
             </a:r>
             <a:r>
-              <a:rPr lang="en-US" altLang="ko-KR" sz="6400" dirty="0"/>
+              <a:rPr lang="en-US" altLang="ko-KR" sz="6400" b="1" dirty="0"/>
               <a:t>.  </a:t>
             </a:r>
           </a:p>
           <a:p>
             <a:r>
-              <a:rPr lang="en-US" altLang="ko-KR" sz="6400" dirty="0" smtClean="0"/>
+              <a:rPr lang="en-US" altLang="ko-KR" sz="6400" b="1" dirty="0" smtClean="0"/>
               <a:t>2</a:t>
             </a:r>
             <a:r>
-              <a:rPr lang="ko-KR" altLang="en-US" sz="6400" dirty="0"/>
+              <a:rPr lang="ko-KR" altLang="en-US" sz="6400" b="1" dirty="0"/>
               <a:t>명의 플레이어가 모두 선택이 완료되면 정한 모션 순서대로 하나씩 같이 모션을 취한다</a:t>
             </a:r>
             <a:r>
-              <a:rPr lang="en-US" altLang="ko-KR" sz="6400" dirty="0"/>
+              <a:rPr lang="en-US" altLang="ko-KR" sz="6400" b="1" dirty="0"/>
               <a:t>.</a:t>
             </a:r>
           </a:p>
@@ -13967,96 +13917,143 @@
               <a:buNone/>
             </a:pPr>
             <a:r>
-              <a:rPr lang="en-US" altLang="ko-KR" sz="6400" dirty="0" smtClean="0"/>
+              <a:rPr lang="en-US" altLang="ko-KR" sz="6400" b="1" dirty="0" smtClean="0">
+                <a:solidFill>
+                  <a:schemeClr val="accent1">
+                    <a:lumMod val="60000"/>
+                    <a:lumOff val="40000"/>
+                  </a:schemeClr>
+                </a:solidFill>
+              </a:rPr>
               <a:t>        </a:t>
             </a:r>
             <a:r>
-              <a:rPr lang="en-US" altLang="ko-KR" sz="6400" dirty="0"/>
+              <a:rPr lang="en-US" altLang="ko-KR" sz="6400" b="1" dirty="0">
+                <a:solidFill>
+                  <a:schemeClr val="accent1">
+                    <a:lumMod val="60000"/>
+                    <a:lumOff val="40000"/>
+                  </a:schemeClr>
+                </a:solidFill>
+              </a:rPr>
               <a:t>-</a:t>
             </a:r>
             <a:r>
-              <a:rPr lang="ko-KR" altLang="en-US" sz="6400" u="sng" dirty="0">
+              <a:rPr lang="ko-KR" altLang="en-US" sz="6400" b="1" u="sng" dirty="0">
                 <a:solidFill>
-                  <a:srgbClr val="FF0000"/>
+                  <a:schemeClr val="accent1">
+                    <a:lumMod val="60000"/>
+                    <a:lumOff val="40000"/>
+                  </a:schemeClr>
                 </a:solidFill>
               </a:rPr>
               <a:t>동시에 수행하는 모션에서 </a:t>
             </a:r>
             <a:r>
-              <a:rPr lang="ko-KR" altLang="en-US" sz="6400" u="sng" dirty="0" smtClean="0">
+              <a:rPr lang="ko-KR" altLang="en-US" sz="6400" b="1" u="sng" dirty="0" smtClean="0">
                 <a:solidFill>
-                  <a:srgbClr val="FF0000"/>
+                  <a:schemeClr val="accent1">
+                    <a:lumMod val="60000"/>
+                    <a:lumOff val="40000"/>
+                  </a:schemeClr>
                 </a:solidFill>
               </a:rPr>
               <a:t>이동과 방어 </a:t>
             </a:r>
             <a:r>
-              <a:rPr lang="ko-KR" altLang="en-US" sz="6400" u="sng" dirty="0">
+              <a:rPr lang="ko-KR" altLang="en-US" sz="6400" b="1" u="sng" dirty="0">
                 <a:solidFill>
-                  <a:srgbClr val="FF0000"/>
+                  <a:schemeClr val="accent1">
+                    <a:lumMod val="60000"/>
+                    <a:lumOff val="40000"/>
+                  </a:schemeClr>
                 </a:solidFill>
               </a:rPr>
               <a:t>모션이 최우선순위이다</a:t>
             </a:r>
             <a:r>
-              <a:rPr lang="en-US" altLang="ko-KR" sz="6400" u="sng" dirty="0" smtClean="0">
+              <a:rPr lang="en-US" altLang="ko-KR" sz="6400" b="1" u="sng" dirty="0" smtClean="0">
                 <a:solidFill>
-                  <a:srgbClr val="FF0000"/>
+                  <a:schemeClr val="accent1">
+                    <a:lumMod val="60000"/>
+                    <a:lumOff val="40000"/>
+                  </a:schemeClr>
                 </a:solidFill>
               </a:rPr>
               <a:t>. (</a:t>
             </a:r>
             <a:r>
-              <a:rPr lang="ko-KR" altLang="en-US" sz="6400" u="sng" dirty="0" smtClean="0">
+              <a:rPr lang="ko-KR" altLang="en-US" sz="6400" b="1" u="sng" dirty="0" smtClean="0">
                 <a:solidFill>
-                  <a:srgbClr val="FF0000"/>
+                  <a:schemeClr val="accent1">
+                    <a:lumMod val="60000"/>
+                    <a:lumOff val="40000"/>
+                  </a:schemeClr>
                 </a:solidFill>
               </a:rPr>
               <a:t>이동</a:t>
             </a:r>
             <a:r>
-              <a:rPr lang="en-US" altLang="ko-KR" sz="6400" u="sng" dirty="0" smtClean="0">
+              <a:rPr lang="en-US" altLang="ko-KR" sz="6400" b="1" u="sng" dirty="0" smtClean="0">
                 <a:solidFill>
-                  <a:srgbClr val="FF0000"/>
+                  <a:schemeClr val="accent1">
+                    <a:lumMod val="60000"/>
+                    <a:lumOff val="40000"/>
+                  </a:schemeClr>
                 </a:solidFill>
               </a:rPr>
               <a:t>==</a:t>
             </a:r>
             <a:r>
-              <a:rPr lang="ko-KR" altLang="en-US" sz="6400" u="sng" dirty="0" smtClean="0">
+              <a:rPr lang="ko-KR" altLang="en-US" sz="6400" b="1" u="sng" dirty="0" smtClean="0">
                 <a:solidFill>
-                  <a:srgbClr val="FF0000"/>
+                  <a:schemeClr val="accent1">
+                    <a:lumMod val="60000"/>
+                    <a:lumOff val="40000"/>
+                  </a:schemeClr>
                 </a:solidFill>
               </a:rPr>
               <a:t>방어</a:t>
             </a:r>
             <a:r>
-              <a:rPr lang="en-US" altLang="ko-KR" sz="6400" u="sng" dirty="0" smtClean="0">
+              <a:rPr lang="en-US" altLang="ko-KR" sz="6400" b="1" u="sng" dirty="0" smtClean="0">
                 <a:solidFill>
-                  <a:srgbClr val="FF0000"/>
+                  <a:schemeClr val="accent1">
+                    <a:lumMod val="60000"/>
+                    <a:lumOff val="40000"/>
+                  </a:schemeClr>
                 </a:solidFill>
               </a:rPr>
               <a:t>&gt;</a:t>
             </a:r>
             <a:r>
-              <a:rPr lang="ko-KR" altLang="en-US" sz="6400" u="sng" dirty="0" smtClean="0">
+              <a:rPr lang="ko-KR" altLang="en-US" sz="6400" b="1" u="sng" dirty="0" smtClean="0">
                 <a:solidFill>
-                  <a:srgbClr val="FF0000"/>
+                  <a:schemeClr val="accent1">
+                    <a:lumMod val="60000"/>
+                    <a:lumOff val="40000"/>
+                  </a:schemeClr>
                 </a:solidFill>
               </a:rPr>
               <a:t>공격</a:t>
             </a:r>
             <a:r>
-              <a:rPr lang="en-US" altLang="ko-KR" sz="6400" u="sng" dirty="0" smtClean="0">
+              <a:rPr lang="en-US" altLang="ko-KR" sz="6400" b="1" u="sng" dirty="0" smtClean="0">
                 <a:solidFill>
-                  <a:srgbClr val="FF0000"/>
+                  <a:schemeClr val="accent1">
+                    <a:lumMod val="60000"/>
+                    <a:lumOff val="40000"/>
+                  </a:schemeClr>
                 </a:solidFill>
               </a:rPr>
               <a:t>)</a:t>
             </a:r>
-            <a:endParaRPr lang="en-US" altLang="ko-KR" sz="6400" u="sng" dirty="0">
+            <a:endParaRPr lang="en-US" altLang="ko-KR" sz="6400" b="1" u="sng" dirty="0">
               <a:solidFill>
-                <a:srgbClr val="FF0000"/>
+                <a:schemeClr val="accent1">
+                  <a:lumMod val="60000"/>
+                  <a:lumOff val="40000"/>
+                </a:schemeClr>
               </a:solidFill>
             </a:endParaRPr>
           </a:p>
@@ -14065,41 +14062,41 @@
               <a:buNone/>
             </a:pPr>
             <a:r>
-              <a:rPr lang="en-US" altLang="ko-KR" sz="6400" dirty="0" smtClean="0"/>
+              <a:rPr lang="en-US" altLang="ko-KR" sz="6400" b="1" dirty="0" smtClean="0"/>
               <a:t>        </a:t>
             </a:r>
             <a:r>
-              <a:rPr lang="en-US" altLang="ko-KR" sz="6400" dirty="0"/>
+              <a:rPr lang="en-US" altLang="ko-KR" sz="6400" b="1" dirty="0"/>
               <a:t>-</a:t>
             </a:r>
             <a:r>
-              <a:rPr lang="ko-KR" altLang="en-US" sz="6400" dirty="0"/>
+              <a:rPr lang="ko-KR" altLang="en-US" sz="6400" b="1" dirty="0"/>
               <a:t>게임 필드 밖으로 이동하는 모션이 나왔을 경우 이동하지 않고 제자리에 멈춘다</a:t>
             </a:r>
             <a:r>
-              <a:rPr lang="en-US" altLang="ko-KR" sz="6400" dirty="0" smtClean="0"/>
+              <a:rPr lang="en-US" altLang="ko-KR" sz="6400" b="1" dirty="0" smtClean="0"/>
               <a:t>.</a:t>
             </a:r>
           </a:p>
           <a:p>
             <a:r>
-              <a:rPr lang="ko-KR" altLang="en-US" sz="6400" dirty="0" smtClean="0"/>
+              <a:rPr lang="ko-KR" altLang="en-US" sz="6400" b="1" dirty="0" smtClean="0"/>
               <a:t>게임 </a:t>
             </a:r>
             <a:r>
-              <a:rPr lang="ko-KR" altLang="en-US" sz="6400" dirty="0"/>
+              <a:rPr lang="ko-KR" altLang="en-US" sz="6400" b="1" dirty="0"/>
               <a:t>도중에 캐릭터의 승패가 정해지면 멈추고</a:t>
             </a:r>
             <a:r>
-              <a:rPr lang="en-US" altLang="ko-KR" sz="6400" dirty="0"/>
+              <a:rPr lang="en-US" altLang="ko-KR" sz="6400" b="1" dirty="0"/>
               <a:t>, </a:t>
             </a:r>
             <a:r>
-              <a:rPr lang="ko-KR" altLang="en-US" sz="6400" dirty="0"/>
+              <a:rPr lang="ko-KR" altLang="en-US" sz="6400" b="1" dirty="0"/>
               <a:t>더 이상 추가 라운드를 진행하지 않는다</a:t>
             </a:r>
             <a:r>
-              <a:rPr lang="en-US" altLang="ko-KR" sz="6400" dirty="0" smtClean="0"/>
+              <a:rPr lang="en-US" altLang="ko-KR" sz="6400" b="1" dirty="0" smtClean="0"/>
               <a:t>.</a:t>
             </a:r>
           </a:p>
@@ -14108,27 +14105,27 @@
               <a:buNone/>
             </a:pPr>
             <a:r>
-              <a:rPr lang="en-US" altLang="ko-KR" sz="6400" dirty="0" smtClean="0"/>
+              <a:rPr lang="en-US" altLang="ko-KR" sz="6400" b="1" dirty="0" smtClean="0"/>
               <a:t>         (</a:t>
             </a:r>
             <a:r>
-              <a:rPr lang="ko-KR" altLang="en-US" sz="6400" dirty="0"/>
+              <a:rPr lang="ko-KR" altLang="en-US" sz="6400" b="1" dirty="0"/>
               <a:t>승패 결정은 체력이 </a:t>
             </a:r>
             <a:r>
-              <a:rPr lang="en-US" altLang="ko-KR" sz="6400" dirty="0"/>
+              <a:rPr lang="en-US" altLang="ko-KR" sz="6400" b="1" dirty="0"/>
               <a:t>0 </a:t>
             </a:r>
             <a:r>
-              <a:rPr lang="ko-KR" altLang="en-US" sz="6400" dirty="0"/>
+              <a:rPr lang="ko-KR" altLang="en-US" sz="6400" b="1" dirty="0"/>
               <a:t>이하가 되면 패배</a:t>
             </a:r>
             <a:r>
-              <a:rPr lang="en-US" altLang="ko-KR" sz="6400" dirty="0"/>
+              <a:rPr lang="en-US" altLang="ko-KR" sz="6400" b="1" dirty="0"/>
               <a:t>, </a:t>
             </a:r>
             <a:r>
-              <a:rPr lang="ko-KR" altLang="en-US" sz="6400" dirty="0">
+              <a:rPr lang="ko-KR" altLang="en-US" sz="6400" b="1" dirty="0">
                 <a:solidFill>
                   <a:srgbClr val="FF0000"/>
                 </a:solidFill>
@@ -14136,7 +14133,7 @@
               <a:t>동시에 </a:t>
             </a:r>
             <a:r>
-              <a:rPr lang="en-US" altLang="ko-KR" sz="6400" dirty="0">
+              <a:rPr lang="en-US" altLang="ko-KR" sz="6400" b="1" dirty="0">
                 <a:solidFill>
                   <a:srgbClr val="FF0000"/>
                 </a:solidFill>
@@ -14144,7 +14141,7 @@
               <a:t>0 </a:t>
             </a:r>
             <a:r>
-              <a:rPr lang="ko-KR" altLang="en-US" sz="6400" dirty="0">
+              <a:rPr lang="ko-KR" altLang="en-US" sz="6400" b="1" dirty="0">
                 <a:solidFill>
                   <a:srgbClr val="FF0000"/>
                 </a:solidFill>
@@ -14152,45 +14149,49 @@
               <a:t>이하가 되면 무승부이다</a:t>
             </a:r>
             <a:r>
-              <a:rPr lang="en-US" altLang="ko-KR" sz="6400" dirty="0"/>
+              <a:rPr lang="en-US" altLang="ko-KR" sz="6400" b="1" dirty="0">
+                <a:solidFill>
+                  <a:srgbClr val="FF0000"/>
+                </a:solidFill>
+              </a:rPr>
               <a:t>.)</a:t>
             </a:r>
           </a:p>
           <a:p>
             <a:r>
-              <a:rPr lang="ko-KR" altLang="en-US" sz="6400" dirty="0" smtClean="0"/>
+              <a:rPr lang="ko-KR" altLang="en-US" sz="6400" b="1" dirty="0" smtClean="0"/>
               <a:t>라운드가 </a:t>
             </a:r>
             <a:r>
-              <a:rPr lang="ko-KR" altLang="en-US" sz="6400" dirty="0"/>
+              <a:rPr lang="ko-KR" altLang="en-US" sz="6400" b="1" dirty="0"/>
               <a:t>끝나도 승패가 </a:t>
             </a:r>
             <a:r>
-              <a:rPr lang="ko-KR" altLang="en-US" sz="6400" dirty="0" smtClean="0"/>
+              <a:rPr lang="ko-KR" altLang="en-US" sz="6400" b="1" dirty="0" smtClean="0"/>
               <a:t>결정이 되지 </a:t>
             </a:r>
             <a:r>
-              <a:rPr lang="ko-KR" altLang="en-US" sz="6400" dirty="0"/>
+              <a:rPr lang="ko-KR" altLang="en-US" sz="6400" b="1" dirty="0"/>
               <a:t>않았다면 다시 </a:t>
             </a:r>
             <a:r>
-              <a:rPr lang="en-US" altLang="ko-KR" sz="6400" dirty="0"/>
+              <a:rPr lang="en-US" altLang="ko-KR" sz="6400" b="1" dirty="0"/>
               <a:t>3</a:t>
             </a:r>
             <a:r>
-              <a:rPr lang="ko-KR" altLang="en-US" sz="6400" dirty="0"/>
+              <a:rPr lang="ko-KR" altLang="en-US" sz="6400" b="1" dirty="0"/>
               <a:t>가지의 모션 </a:t>
             </a:r>
             <a:r>
-              <a:rPr lang="ko-KR" altLang="en-US" sz="6400" dirty="0" smtClean="0"/>
+              <a:rPr lang="ko-KR" altLang="en-US" sz="6400" b="1" dirty="0" smtClean="0"/>
               <a:t>카드를 </a:t>
             </a:r>
             <a:r>
-              <a:rPr lang="ko-KR" altLang="en-US" sz="6400" dirty="0"/>
+              <a:rPr lang="ko-KR" altLang="en-US" sz="6400" b="1" dirty="0"/>
               <a:t>선택하고 다음 라운드를 진행한다</a:t>
             </a:r>
             <a:r>
-              <a:rPr lang="en-US" altLang="ko-KR" sz="6400" dirty="0" smtClean="0"/>
+              <a:rPr lang="en-US" altLang="ko-KR" sz="6400" b="1" dirty="0" smtClean="0"/>
               <a:t>.</a:t>
             </a:r>
           </a:p>
@@ -14199,84 +14200,164 @@
               <a:buNone/>
             </a:pPr>
             <a:r>
-              <a:rPr lang="en-US" altLang="ko-KR" sz="6400" dirty="0"/>
+              <a:rPr lang="en-US" altLang="ko-KR" sz="6400" b="1" dirty="0">
+                <a:solidFill>
+                  <a:schemeClr val="bg1"/>
+                </a:solidFill>
+              </a:rPr>
               <a:t> </a:t>
             </a:r>
             <a:r>
-              <a:rPr lang="en-US" altLang="ko-KR" sz="6400" dirty="0" smtClean="0"/>
+              <a:rPr lang="en-US" altLang="ko-KR" sz="6400" b="1" dirty="0" smtClean="0">
+                <a:solidFill>
+                  <a:schemeClr val="bg1"/>
+                </a:solidFill>
+              </a:rPr>
               <a:t>       (</a:t>
             </a:r>
             <a:r>
-              <a:rPr lang="ko-KR" altLang="en-US" sz="6400" dirty="0"/>
+              <a:rPr lang="ko-KR" altLang="en-US" sz="6400" b="1" dirty="0">
+                <a:solidFill>
+                  <a:schemeClr val="bg1"/>
+                </a:solidFill>
+              </a:rPr>
               <a:t>승패가 </a:t>
             </a:r>
             <a:r>
-              <a:rPr lang="ko-KR" altLang="en-US" sz="6400" dirty="0" smtClean="0"/>
+              <a:rPr lang="ko-KR" altLang="en-US" sz="6400" b="1" dirty="0" smtClean="0">
+                <a:solidFill>
+                  <a:schemeClr val="bg1"/>
+                </a:solidFill>
+              </a:rPr>
               <a:t>결정될 때까지 </a:t>
             </a:r>
             <a:r>
-              <a:rPr lang="ko-KR" altLang="en-US" sz="6400" dirty="0"/>
+              <a:rPr lang="ko-KR" altLang="en-US" sz="6400" b="1" dirty="0">
+                <a:solidFill>
+                  <a:schemeClr val="bg1"/>
+                </a:solidFill>
+              </a:rPr>
               <a:t>반복 된다</a:t>
             </a:r>
             <a:r>
-              <a:rPr lang="en-US" altLang="ko-KR" sz="6400" dirty="0"/>
+              <a:rPr lang="en-US" altLang="ko-KR" sz="6400" b="1" dirty="0">
+                <a:solidFill>
+                  <a:schemeClr val="bg1"/>
+                </a:solidFill>
+              </a:rPr>
               <a:t>.) </a:t>
             </a:r>
-            <a:endParaRPr lang="ko-KR" altLang="en-US" sz="6400" dirty="0"/>
-          </a:p>
-          <a:p>
-            <a:r>
-              <a:rPr lang="ko-KR" altLang="en-US" sz="6400" dirty="0" smtClean="0"/>
+            <a:endParaRPr lang="ko-KR" altLang="en-US" sz="6400" b="1" dirty="0">
+              <a:solidFill>
+                <a:schemeClr val="bg1"/>
+              </a:solidFill>
+            </a:endParaRPr>
+          </a:p>
+          <a:p>
+            <a:r>
+              <a:rPr lang="ko-KR" altLang="en-US" sz="6400" b="1" dirty="0" smtClean="0">
+                <a:solidFill>
+                  <a:schemeClr val="bg1"/>
+                </a:solidFill>
+              </a:rPr>
               <a:t>모든</a:t>
             </a:r>
             <a:r>
-              <a:rPr lang="en-US" altLang="ko-KR" sz="6400" dirty="0" smtClean="0"/>
+              <a:rPr lang="en-US" altLang="ko-KR" sz="6400" b="1" dirty="0" smtClean="0">
+                <a:solidFill>
+                  <a:schemeClr val="bg1"/>
+                </a:solidFill>
+              </a:rPr>
               <a:t> </a:t>
             </a:r>
             <a:r>
-              <a:rPr lang="ko-KR" altLang="en-US" sz="6400" dirty="0" smtClean="0"/>
+              <a:rPr lang="ko-KR" altLang="en-US" sz="6400" b="1" dirty="0" smtClean="0">
+                <a:solidFill>
+                  <a:schemeClr val="bg1"/>
+                </a:solidFill>
+              </a:rPr>
               <a:t>캐릭터의 체력과 </a:t>
             </a:r>
             <a:r>
-              <a:rPr lang="ko-KR" altLang="en-US" sz="6400" dirty="0" err="1" smtClean="0"/>
+              <a:rPr lang="ko-KR" altLang="en-US" sz="6400" b="1" dirty="0" err="1" smtClean="0">
+                <a:solidFill>
+                  <a:schemeClr val="bg1"/>
+                </a:solidFill>
+              </a:rPr>
               <a:t>마나량은</a:t>
             </a:r>
             <a:r>
-              <a:rPr lang="ko-KR" altLang="en-US" sz="6400" dirty="0" smtClean="0"/>
+              <a:rPr lang="ko-KR" altLang="en-US" sz="6400" b="1" dirty="0" smtClean="0">
+                <a:solidFill>
+                  <a:schemeClr val="bg1"/>
+                </a:solidFill>
+              </a:rPr>
               <a:t> </a:t>
             </a:r>
             <a:r>
-              <a:rPr lang="ko-KR" altLang="en-US" sz="6400" dirty="0"/>
+              <a:rPr lang="ko-KR" altLang="en-US" sz="6400" b="1" dirty="0">
+                <a:solidFill>
+                  <a:schemeClr val="bg1"/>
+                </a:solidFill>
+              </a:rPr>
               <a:t>동일하다</a:t>
             </a:r>
             <a:r>
-              <a:rPr lang="en-US" altLang="ko-KR" sz="6400" dirty="0"/>
+              <a:rPr lang="en-US" altLang="ko-KR" sz="6400" b="1" dirty="0">
+                <a:solidFill>
+                  <a:schemeClr val="bg1"/>
+                </a:solidFill>
+              </a:rPr>
               <a:t>. </a:t>
             </a:r>
           </a:p>
           <a:p>
             <a:r>
-              <a:rPr lang="ko-KR" altLang="en-US" sz="6400" dirty="0" smtClean="0"/>
+              <a:rPr lang="ko-KR" altLang="en-US" sz="6400" b="1" dirty="0" smtClean="0">
+                <a:solidFill>
+                  <a:schemeClr val="bg1"/>
+                </a:solidFill>
+              </a:rPr>
               <a:t>캐릭터는 각자의 고유한 공격을 가지고 그 </a:t>
             </a:r>
             <a:r>
-              <a:rPr lang="ko-KR" altLang="en-US" sz="6400" dirty="0" err="1" smtClean="0"/>
+              <a:rPr lang="ko-KR" altLang="en-US" sz="6400" b="1" dirty="0" err="1" smtClean="0">
+                <a:solidFill>
+                  <a:schemeClr val="bg1"/>
+                </a:solidFill>
+              </a:rPr>
               <a:t>마나량과</a:t>
             </a:r>
             <a:r>
-              <a:rPr lang="ko-KR" altLang="en-US" sz="6400" dirty="0" smtClean="0"/>
+              <a:rPr lang="ko-KR" altLang="en-US" sz="6400" b="1" dirty="0" smtClean="0">
+                <a:solidFill>
+                  <a:schemeClr val="bg1"/>
+                </a:solidFill>
+              </a:rPr>
               <a:t> </a:t>
             </a:r>
             <a:r>
-              <a:rPr lang="ko-KR" altLang="en-US" sz="6400" dirty="0" err="1" smtClean="0"/>
+              <a:rPr lang="ko-KR" altLang="en-US" sz="6400" b="1" dirty="0" err="1" smtClean="0">
+                <a:solidFill>
+                  <a:schemeClr val="bg1"/>
+                </a:solidFill>
+              </a:rPr>
               <a:t>데미지가</a:t>
             </a:r>
             <a:r>
-              <a:rPr lang="ko-KR" altLang="en-US" sz="6400" dirty="0" smtClean="0"/>
+              <a:rPr lang="ko-KR" altLang="en-US" sz="6400" b="1" dirty="0" smtClean="0">
+                <a:solidFill>
+                  <a:schemeClr val="bg1"/>
+                </a:solidFill>
+              </a:rPr>
               <a:t> 다르다</a:t>
             </a:r>
             <a:r>
-              <a:rPr lang="en-US" altLang="ko-KR" sz="6400" dirty="0" smtClean="0"/>
+              <a:rPr lang="en-US" altLang="ko-KR" sz="6400" b="1" dirty="0" smtClean="0">
+                <a:solidFill>
+                  <a:schemeClr val="bg1"/>
+                </a:solidFill>
+              </a:rPr>
               <a:t>.</a:t>
             </a:r>
           </a:p>
@@ -14295,13 +14376,51 @@
               <a:rPr lang="ko-KR" altLang="en-US" dirty="0"/>
               <a:t> </a:t>
             </a:r>
+          </a:p>
+        </p:txBody>
+      </p:sp>
+      <p:sp>
+        <p:nvSpPr>
+          <p:cNvPr id="5122" name="Rectangle 2"/>
+          <p:cNvSpPr>
+            <a:spLocks noChangeArrowheads="1"/>
+          </p:cNvSpPr>
+          <p:nvPr/>
+        </p:nvSpPr>
+        <p:spPr bwMode="auto">
+          <a:xfrm>
+            <a:off x="0" y="0"/>
+            <a:ext cx="12192000" cy="457200"/>
+          </a:xfrm>
+          <a:prstGeom prst="rect">
+            <a:avLst/>
+          </a:prstGeom>
+          <a:noFill/>
+          <a:ln w="9525">
+            <a:noFill/>
+            <a:miter lim="800000"/>
+            <a:headEnd/>
+            <a:tailEnd/>
+          </a:ln>
+          <a:effectLst/>
+        </p:spPr>
+        <p:txBody>
+          <a:bodyPr vert="horz" wrap="none" lIns="91440" tIns="45720" rIns="91440" bIns="45720" numCol="1" anchor="ctr" anchorCtr="0" compatLnSpc="1">
+            <a:prstTxWarp prst="textNoShape">
+              <a:avLst/>
+            </a:prstTxWarp>
+            <a:spAutoFit/>
+          </a:bodyPr>
+          <a:lstStyle/>
+          <a:p>
+            <a:endParaRPr lang="ko-KR" altLang="en-US"/>
           </a:p>
         </p:txBody>
       </p:sp>
     </p:spTree>
     <p:extLst>
       <p:ext uri="{BB962C8B-B14F-4D97-AF65-F5344CB8AC3E}">
-        <p14:creationId xmlns:p14="http://schemas.microsoft.com/office/powerpoint/2010/main" val="2386879971"/>
+        <p14:creationId xmlns:p14="http://schemas.microsoft.com/office/powerpoint/2010/main" xmlns="" val="2386879971"/>
       </p:ext>
     </p:extLst>
   </p:cSld>
@@ -14408,7 +14527,7 @@
     </p:spTree>
     <p:extLst>
       <p:ext uri="{BB962C8B-B14F-4D97-AF65-F5344CB8AC3E}">
-        <p14:creationId xmlns:p14="http://schemas.microsoft.com/office/powerpoint/2010/main" val="1795874577"/>
+        <p14:creationId xmlns:p14="http://schemas.microsoft.com/office/powerpoint/2010/main" xmlns="" val="1795874577"/>
       </p:ext>
     </p:extLst>
   </p:cSld>
@@ -14683,7 +14802,7 @@
   <a:extraClrSchemeLst/>
   <a:extLst>
     <a:ext uri="{05A4C25C-085E-4340-85A3-A5531E510DB2}">
-      <thm15:themeFamily xmlns:thm15="http://schemas.microsoft.com/office/thememl/2012/main" name="Droplet" id="{8984A317-299A-4E50-B45D-BFC9EDE2337A}" vid="{A633B6A3-9E7F-4C10-9C98-2517A3134361}"/>
+      <thm15:themeFamily xmlns:thm15="http://schemas.microsoft.com/office/thememl/2012/main" xmlns="" name="Droplet" id="{8984A317-299A-4E50-B45D-BFC9EDE2337A}" vid="{A633B6A3-9E7F-4C10-9C98-2517A3134361}"/>
     </a:ext>
   </a:extLst>
 </a:theme>
